--- a/Neo4j.pptx
+++ b/Neo4j.pptx
@@ -22656,6 +22656,27 @@
           <a:p>
             <a:pPr algn="ctr"/>
             <a:r>
+              <a:rPr lang="es-ES" sz="4400" b="1" smtClean="0">
+                <a:ln w="10160">
+                  <a:solidFill>
+                    <a:schemeClr val="accent5"/>
+                  </a:solidFill>
+                  <a:prstDash val="solid"/>
+                </a:ln>
+                <a:solidFill>
+                  <a:srgbClr val="FFFFFF"/>
+                </a:solidFill>
+                <a:effectLst>
+                  <a:outerShdw blurRad="50800" dist="38100" dir="2700000" algn="tl" rotWithShape="0">
+                    <a:prstClr val="black">
+                      <a:alpha val="40000"/>
+                    </a:prstClr>
+                  </a:outerShdw>
+                </a:effectLst>
+              </a:rPr>
+              <a:t>RDBMS </a:t>
+            </a:r>
+            <a:r>
               <a:rPr lang="es-ES" sz="4400" b="1" dirty="0">
                 <a:ln w="10160">
                   <a:solidFill>
@@ -22674,7 +22695,7 @@
                   </a:outerShdw>
                 </a:effectLst>
               </a:rPr>
-              <a:t>RDMS VS Graph Database</a:t>
+              <a:t>VS Graph Database</a:t>
             </a:r>
             <a:br>
               <a:rPr lang="es-ES" sz="4400" b="1" dirty="0">
@@ -25223,7 +25244,6 @@
               <a:rPr lang="es-ES" sz="2000" dirty="0"/>
               <a:t>Cabe resaltar que en Cypher existen los strings, ints y bools, </a:t>
             </a:r>
-            <a:endParaRPr lang="es-ES" sz="2000" dirty="0"/>
           </a:p>
           <a:p>
             <a:pPr algn="just"/>
